--- a/l-diversity.pptx
+++ b/l-diversity.pptx
@@ -24860,7 +24860,7 @@
             </a:pPr>
             <a:r>
               <a:rPr lang="en" sz="1400" dirty="0"/>
-              <a:t>       - efficiency and complexity</a:t>
+              <a:t>       - performance and efficiency</a:t>
             </a:r>
           </a:p>
           <a:p>
@@ -29934,7 +29934,7 @@
                 </a:solidFill>
                 <a:latin typeface="Maven Pro" panose="020B0604020202020204" charset="0"/>
               </a:rPr>
-              <a:t> set to 1000 </a:t>
+              <a:t> set to 10000 </a:t>
             </a:r>
             <a:r>
               <a:rPr lang="it-IT" dirty="0" err="1">

--- a/l-diversity.pptx
+++ b/l-diversity.pptx
@@ -33074,22 +33074,13 @@
               <a:t> are </a:t>
             </a:r>
             <a:r>
-              <a:rPr lang="it-IT" dirty="0" err="1">
+              <a:rPr lang="it-IT">
                 <a:solidFill>
                   <a:schemeClr val="bg1"/>
                 </a:solidFill>
                 <a:latin typeface="Maven Pro" panose="020B0604020202020204" charset="0"/>
               </a:rPr>
-              <a:t>anonymized</a:t>
-            </a:r>
-            <a:r>
-              <a:rPr lang="it-IT" dirty="0">
-                <a:solidFill>
-                  <a:schemeClr val="bg1"/>
-                </a:solidFill>
-                <a:latin typeface="Maven Pro" panose="020B0604020202020204" charset="0"/>
-              </a:rPr>
-              <a:t> </a:t>
+              <a:t>generalized </a:t>
             </a:r>
             <a:r>
               <a:rPr lang="it-IT" dirty="0" err="1">

--- a/l-diversity.pptx
+++ b/l-diversity.pptx
@@ -22884,7 +22884,15 @@
             </a:pPr>
             <a:r>
               <a:rPr lang="it-IT" dirty="0"/>
-              <a:t>SALARY AND ROLE COMPARISON</a:t>
+              <a:t>SALARY </a:t>
+            </a:r>
+            <a:r>
+              <a:rPr lang="it-IT"/>
+              <a:t>AND EDUCATION </a:t>
+            </a:r>
+            <a:r>
+              <a:rPr lang="it-IT" dirty="0"/>
+              <a:t>COMPARISON</a:t>
             </a:r>
             <a:endParaRPr dirty="0"/>
           </a:p>
@@ -24642,10 +24650,10 @@
       </p:grpSp>
       <p:pic>
         <p:nvPicPr>
-          <p:cNvPr id="29" name="Picture 28" descr="A graph and diagram with text&#10;&#10;Description automatically generated with medium confidence">
+          <p:cNvPr id="27" name="Immagine 26" descr="Immagine che contiene diagramma, testo, linea, Piano&#10;&#10;Descrizione generata automaticamente">
             <a:extLst>
               <a:ext uri="{FF2B5EF4-FFF2-40B4-BE49-F238E27FC236}">
-                <a16:creationId xmlns:a16="http://schemas.microsoft.com/office/drawing/2014/main" id="{C46BEE31-13B5-ABD5-E043-7DB9CBA38F0E}"/>
+                <a16:creationId xmlns:a16="http://schemas.microsoft.com/office/drawing/2014/main" id="{5806BA46-065E-AE6C-7753-0AB3C705E6A4}"/>
               </a:ext>
             </a:extLst>
           </p:cNvPr>
@@ -24662,8 +24670,8 @@
         </p:blipFill>
         <p:spPr>
           <a:xfrm>
-            <a:off x="643347" y="996335"/>
-            <a:ext cx="8007128" cy="3431626"/>
+            <a:off x="364201" y="1058795"/>
+            <a:ext cx="8415598" cy="3606685"/>
           </a:xfrm>
           <a:prstGeom prst="rect">
             <a:avLst/>

--- a/l-diversity.pptx
+++ b/l-diversity.pptx
@@ -18953,7 +18953,7 @@
             </a:r>
             <a:r>
               <a:rPr lang="it-IT" dirty="0" err="1"/>
-              <a:t>role</a:t>
+              <a:t>education</a:t>
             </a:r>
             <a:r>
               <a:rPr lang="it-IT" dirty="0"/>
@@ -19092,7 +19092,7 @@
             </a:r>
             <a:r>
               <a:rPr lang="it-IT" sz="1200" dirty="0" err="1"/>
-              <a:t>role</a:t>
+              <a:t>education</a:t>
             </a:r>
             <a:r>
               <a:rPr lang="it-IT" sz="1200" dirty="0"/>

--- a/l-diversity.pptx
+++ b/l-diversity.pptx
@@ -5,7 +5,7 @@
     <p:sldMasterId id="2147483670" r:id="rId1"/>
   </p:sldMasterIdLst>
   <p:notesMasterIdLst>
-    <p:notesMasterId r:id="rId19"/>
+    <p:notesMasterId r:id="rId20"/>
   </p:notesMasterIdLst>
   <p:sldIdLst>
     <p:sldId id="256" r:id="rId2"/>
@@ -25,28 +25,29 @@
     <p:sldId id="272" r:id="rId16"/>
     <p:sldId id="265" r:id="rId17"/>
     <p:sldId id="273" r:id="rId18"/>
+    <p:sldId id="274" r:id="rId19"/>
   </p:sldIdLst>
   <p:sldSz cx="9144000" cy="5143500" type="screen16x9"/>
   <p:notesSz cx="6858000" cy="9144000"/>
   <p:embeddedFontLst>
     <p:embeddedFont>
       <p:font typeface="Livvic Light" pitchFamily="2" charset="0"/>
-      <p:regular r:id="rId20"/>
-      <p:italic r:id="rId21"/>
+      <p:regular r:id="rId21"/>
+      <p:italic r:id="rId22"/>
     </p:embeddedFont>
     <p:embeddedFont>
       <p:font typeface="Maven Pro" panose="020B0604020202020204" charset="0"/>
-      <p:regular r:id="rId22"/>
-      <p:bold r:id="rId23"/>
+      <p:regular r:id="rId23"/>
+      <p:bold r:id="rId24"/>
     </p:embeddedFont>
     <p:embeddedFont>
       <p:font typeface="Nunito Light" pitchFamily="2" charset="0"/>
-      <p:regular r:id="rId24"/>
-      <p:italic r:id="rId25"/>
+      <p:regular r:id="rId25"/>
+      <p:italic r:id="rId26"/>
     </p:embeddedFont>
     <p:embeddedFont>
       <p:font typeface="Share Tech" panose="020B0604020202020204" charset="0"/>
-      <p:regular r:id="rId26"/>
+      <p:regular r:id="rId27"/>
     </p:embeddedFont>
   </p:embeddedFontLst>
   <p:defaultTextStyle>
@@ -24691,6 +24692,119 @@
 </p:sld>
 </file>
 
+<file path=ppt/slides/slide18.xml><?xml version="1.0" encoding="utf-8"?>
+<p:sld xmlns:a="http://schemas.openxmlformats.org/drawingml/2006/main" xmlns:r="http://schemas.openxmlformats.org/officeDocument/2006/relationships" xmlns:p="http://schemas.openxmlformats.org/presentationml/2006/main">
+  <p:cSld>
+    <p:spTree>
+      <p:nvGrpSpPr>
+        <p:cNvPr id="1" name=""/>
+        <p:cNvGrpSpPr/>
+        <p:nvPr/>
+      </p:nvGrpSpPr>
+      <p:grpSpPr>
+        <a:xfrm>
+          <a:off x="0" y="0"/>
+          <a:ext cx="0" cy="0"/>
+          <a:chOff x="0" y="0"/>
+          <a:chExt cx="0" cy="0"/>
+        </a:xfrm>
+      </p:grpSpPr>
+      <p:sp>
+        <p:nvSpPr>
+          <p:cNvPr id="2" name="Segnaposto testo 1">
+            <a:extLst>
+              <a:ext uri="{FF2B5EF4-FFF2-40B4-BE49-F238E27FC236}">
+                <a16:creationId xmlns:a16="http://schemas.microsoft.com/office/drawing/2014/main" id="{C295EE9C-6D91-EA25-62D9-DE32481FEC17}"/>
+              </a:ext>
+            </a:extLst>
+          </p:cNvPr>
+          <p:cNvSpPr>
+            <a:spLocks noGrp="1"/>
+          </p:cNvSpPr>
+          <p:nvPr>
+            <p:ph type="body" idx="1"/>
+          </p:nvPr>
+        </p:nvSpPr>
+        <p:spPr/>
+        <p:txBody>
+          <a:bodyPr/>
+          <a:lstStyle/>
+          <a:p>
+            <a:endParaRPr lang="it-IT"/>
+          </a:p>
+        </p:txBody>
+      </p:sp>
+      <p:sp>
+        <p:nvSpPr>
+          <p:cNvPr id="3" name="Titolo 2">
+            <a:extLst>
+              <a:ext uri="{FF2B5EF4-FFF2-40B4-BE49-F238E27FC236}">
+                <a16:creationId xmlns:a16="http://schemas.microsoft.com/office/drawing/2014/main" id="{BFA57C5A-3DB0-3906-69E5-F1C2D618ACFA}"/>
+              </a:ext>
+            </a:extLst>
+          </p:cNvPr>
+          <p:cNvSpPr>
+            <a:spLocks noGrp="1"/>
+          </p:cNvSpPr>
+          <p:nvPr>
+            <p:ph type="ctrTitle"/>
+          </p:nvPr>
+        </p:nvSpPr>
+        <p:spPr>
+          <a:xfrm>
+            <a:off x="2208150" y="404240"/>
+            <a:ext cx="4727700" cy="577800"/>
+          </a:xfrm>
+        </p:spPr>
+        <p:txBody>
+          <a:bodyPr/>
+          <a:lstStyle/>
+          <a:p>
+            <a:r>
+              <a:rPr lang="it-IT" dirty="0"/>
+              <a:t>GRAZIE PER L’ATTENZIONE</a:t>
+            </a:r>
+          </a:p>
+        </p:txBody>
+      </p:sp>
+      <p:sp>
+        <p:nvSpPr>
+          <p:cNvPr id="4" name="Segnaposto testo 3">
+            <a:extLst>
+              <a:ext uri="{FF2B5EF4-FFF2-40B4-BE49-F238E27FC236}">
+                <a16:creationId xmlns:a16="http://schemas.microsoft.com/office/drawing/2014/main" id="{9877B2B2-9158-C178-BC56-6FDEEEDD31D4}"/>
+              </a:ext>
+            </a:extLst>
+          </p:cNvPr>
+          <p:cNvSpPr>
+            <a:spLocks noGrp="1"/>
+          </p:cNvSpPr>
+          <p:nvPr>
+            <p:ph type="body" idx="2"/>
+          </p:nvPr>
+        </p:nvSpPr>
+        <p:spPr/>
+        <p:txBody>
+          <a:bodyPr/>
+          <a:lstStyle/>
+          <a:p>
+            <a:endParaRPr lang="it-IT"/>
+          </a:p>
+        </p:txBody>
+      </p:sp>
+    </p:spTree>
+    <p:extLst>
+      <p:ext uri="{BB962C8B-B14F-4D97-AF65-F5344CB8AC3E}">
+        <p14:creationId xmlns:p14="http://schemas.microsoft.com/office/powerpoint/2010/main" val="2295999493"/>
+      </p:ext>
+    </p:extLst>
+  </p:cSld>
+  <p:clrMapOvr>
+    <a:masterClrMapping/>
+  </p:clrMapOvr>
+</p:sld>
+</file>
+
 <file path=ppt/slides/slide2.xml><?xml version="1.0" encoding="utf-8"?>
 <p:sld xmlns:a="http://schemas.openxmlformats.org/drawingml/2006/main" xmlns:r="http://schemas.openxmlformats.org/officeDocument/2006/relationships" xmlns:p="http://schemas.openxmlformats.org/presentationml/2006/main">
   <p:cSld>
